--- a/TI/HLD E LLD FINAIS.pptx
+++ b/TI/HLD E LLD FINAIS.pptx
@@ -260,7 +260,7 @@
           <a:p>
             <a:fld id="{69483BC8-B204-4B46-AFA2-8758AF06B3E6}" type="datetimeFigureOut">
               <a:rPr lang="pt-BR" smtClean="0"/>
-              <a:t>31/05/2021</a:t>
+              <a:t>01/06/2021</a:t>
             </a:fld>
             <a:endParaRPr lang="pt-BR"/>
           </a:p>
@@ -458,7 +458,7 @@
           <a:p>
             <a:fld id="{69483BC8-B204-4B46-AFA2-8758AF06B3E6}" type="datetimeFigureOut">
               <a:rPr lang="pt-BR" smtClean="0"/>
-              <a:t>31/05/2021</a:t>
+              <a:t>01/06/2021</a:t>
             </a:fld>
             <a:endParaRPr lang="pt-BR"/>
           </a:p>
@@ -666,7 +666,7 @@
           <a:p>
             <a:fld id="{69483BC8-B204-4B46-AFA2-8758AF06B3E6}" type="datetimeFigureOut">
               <a:rPr lang="pt-BR" smtClean="0"/>
-              <a:t>31/05/2021</a:t>
+              <a:t>01/06/2021</a:t>
             </a:fld>
             <a:endParaRPr lang="pt-BR"/>
           </a:p>
@@ -864,7 +864,7 @@
           <a:p>
             <a:fld id="{69483BC8-B204-4B46-AFA2-8758AF06B3E6}" type="datetimeFigureOut">
               <a:rPr lang="pt-BR" smtClean="0"/>
-              <a:t>31/05/2021</a:t>
+              <a:t>01/06/2021</a:t>
             </a:fld>
             <a:endParaRPr lang="pt-BR"/>
           </a:p>
@@ -1139,7 +1139,7 @@
           <a:p>
             <a:fld id="{69483BC8-B204-4B46-AFA2-8758AF06B3E6}" type="datetimeFigureOut">
               <a:rPr lang="pt-BR" smtClean="0"/>
-              <a:t>31/05/2021</a:t>
+              <a:t>01/06/2021</a:t>
             </a:fld>
             <a:endParaRPr lang="pt-BR"/>
           </a:p>
@@ -1404,7 +1404,7 @@
           <a:p>
             <a:fld id="{69483BC8-B204-4B46-AFA2-8758AF06B3E6}" type="datetimeFigureOut">
               <a:rPr lang="pt-BR" smtClean="0"/>
-              <a:t>31/05/2021</a:t>
+              <a:t>01/06/2021</a:t>
             </a:fld>
             <a:endParaRPr lang="pt-BR"/>
           </a:p>
@@ -1816,7 +1816,7 @@
           <a:p>
             <a:fld id="{69483BC8-B204-4B46-AFA2-8758AF06B3E6}" type="datetimeFigureOut">
               <a:rPr lang="pt-BR" smtClean="0"/>
-              <a:t>31/05/2021</a:t>
+              <a:t>01/06/2021</a:t>
             </a:fld>
             <a:endParaRPr lang="pt-BR"/>
           </a:p>
@@ -1957,7 +1957,7 @@
           <a:p>
             <a:fld id="{69483BC8-B204-4B46-AFA2-8758AF06B3E6}" type="datetimeFigureOut">
               <a:rPr lang="pt-BR" smtClean="0"/>
-              <a:t>31/05/2021</a:t>
+              <a:t>01/06/2021</a:t>
             </a:fld>
             <a:endParaRPr lang="pt-BR"/>
           </a:p>
@@ -2070,7 +2070,7 @@
           <a:p>
             <a:fld id="{69483BC8-B204-4B46-AFA2-8758AF06B3E6}" type="datetimeFigureOut">
               <a:rPr lang="pt-BR" smtClean="0"/>
-              <a:t>31/05/2021</a:t>
+              <a:t>01/06/2021</a:t>
             </a:fld>
             <a:endParaRPr lang="pt-BR"/>
           </a:p>
@@ -2381,7 +2381,7 @@
           <a:p>
             <a:fld id="{69483BC8-B204-4B46-AFA2-8758AF06B3E6}" type="datetimeFigureOut">
               <a:rPr lang="pt-BR" smtClean="0"/>
-              <a:t>31/05/2021</a:t>
+              <a:t>01/06/2021</a:t>
             </a:fld>
             <a:endParaRPr lang="pt-BR"/>
           </a:p>
@@ -2669,7 +2669,7 @@
           <a:p>
             <a:fld id="{69483BC8-B204-4B46-AFA2-8758AF06B3E6}" type="datetimeFigureOut">
               <a:rPr lang="pt-BR" smtClean="0"/>
-              <a:t>31/05/2021</a:t>
+              <a:t>01/06/2021</a:t>
             </a:fld>
             <a:endParaRPr lang="pt-BR"/>
           </a:p>
@@ -2910,7 +2910,7 @@
           <a:p>
             <a:fld id="{69483BC8-B204-4B46-AFA2-8758AF06B3E6}" type="datetimeFigureOut">
               <a:rPr lang="pt-BR" smtClean="0"/>
-              <a:t>31/05/2021</a:t>
+              <a:t>01/06/2021</a:t>
             </a:fld>
             <a:endParaRPr lang="pt-BR"/>
           </a:p>
@@ -5338,7 +5338,7 @@
                 <a:latin typeface="Arial" panose="020B0604020202020204" pitchFamily="34" charset="0"/>
                 <a:cs typeface="Arial" panose="020B0604020202020204" pitchFamily="34" charset="0"/>
               </a:rPr>
-              <a:t>CLIENTE</a:t>
+              <a:t>USUARIO</a:t>
             </a:r>
           </a:p>
         </p:txBody>
